--- a/МСМТ253_Надыкто_CVRP.pptx
+++ b/МСМТ253_Надыкто_CVRP.pptx
@@ -7754,6 +7754,34 @@
               </a:rPr>
               <a:t>Set A – 6,01%; Set B – 4,42%; Set E – 9,25%</a:t>
             </a:r>
+            <a:endParaRPr lang="ru-RU" altLang="ru-RU" dirty="0">
+              <a:latin typeface="Arial" panose="020B0604020202020204" pitchFamily="34" charset="0"/>
+              <a:cs typeface="Arial" panose="020B0604020202020204" pitchFamily="34" charset="0"/>
+            </a:endParaRPr>
+          </a:p>
+          <a:p>
+            <a:pPr marL="0" indent="0" algn="just" eaLnBrk="1" hangingPunct="1">
+              <a:buNone/>
+            </a:pPr>
+            <a:endParaRPr lang="ru-RU" altLang="ru-RU" dirty="0">
+              <a:latin typeface="Arial" panose="020B0604020202020204" pitchFamily="34" charset="0"/>
+              <a:cs typeface="Arial" panose="020B0604020202020204" pitchFamily="34" charset="0"/>
+            </a:endParaRPr>
+          </a:p>
+          <a:p>
+            <a:pPr marL="0" indent="0" algn="just" eaLnBrk="1" hangingPunct="1">
+              <a:buNone/>
+            </a:pPr>
+            <a:r>
+              <a:rPr lang="en-US" u="sng" dirty="0">
+                <a:hlinkClick r:id="rId2"/>
+              </a:rPr>
+              <a:t>https://github.com/NadyktoA/CVRP/tree/main</a:t>
+            </a:r>
+            <a:endParaRPr lang="en-US" altLang="ru-RU" dirty="0">
+              <a:latin typeface="Arial" panose="020B0604020202020204" pitchFamily="34" charset="0"/>
+              <a:cs typeface="Arial" panose="020B0604020202020204" pitchFamily="34" charset="0"/>
+            </a:endParaRPr>
           </a:p>
         </p:txBody>
       </p:sp>
@@ -7772,7 +7800,7 @@
           <p:nvPr/>
         </p:nvPicPr>
         <p:blipFill>
-          <a:blip r:embed="rId2"/>
+          <a:blip r:embed="rId3"/>
           <a:stretch>
             <a:fillRect/>
           </a:stretch>
